--- a/Document/5주차/지피티쳐_5주차_발표자료.pptx
+++ b/Document/5주차/지피티쳐_5주차_발표자료.pptx
@@ -253,7 +253,7 @@
           <a:p>
             <a:fld id="{DCFAB389-6443-4AAB-8D7B-568EDF44561D}" type="datetimeFigureOut">
               <a:rPr lang="ko-KR" altLang="en-US" smtClean="0"/>
-              <a:t>2025-03-30</a:t>
+              <a:t>2025-03-31</a:t>
             </a:fld>
             <a:endParaRPr lang="ko-KR" altLang="en-US"/>
           </a:p>
@@ -3080,7 +3080,7 @@
             <a:fld id="{1D8BD707-D9CF-40AE-B4C6-C98DA3205C09}" type="datetimeFigureOut">
               <a:rPr lang="en-US" smtClean="0"/>
               <a:pPr/>
-              <a:t>3/30/2025</a:t>
+              <a:t>3/31/2025</a:t>
             </a:fld>
             <a:endParaRPr lang="en-US"/>
           </a:p>
@@ -3245,7 +3245,7 @@
             <a:fld id="{1D8BD707-D9CF-40AE-B4C6-C98DA3205C09}" type="datetimeFigureOut">
               <a:rPr lang="en-US" smtClean="0"/>
               <a:pPr/>
-              <a:t>3/30/2025</a:t>
+              <a:t>3/31/2025</a:t>
             </a:fld>
             <a:endParaRPr lang="en-US"/>
           </a:p>
@@ -3420,7 +3420,7 @@
             <a:fld id="{1D8BD707-D9CF-40AE-B4C6-C98DA3205C09}" type="datetimeFigureOut">
               <a:rPr lang="en-US" smtClean="0"/>
               <a:pPr/>
-              <a:t>3/30/2025</a:t>
+              <a:t>3/31/2025</a:t>
             </a:fld>
             <a:endParaRPr lang="en-US"/>
           </a:p>
@@ -3585,7 +3585,7 @@
             <a:fld id="{1D8BD707-D9CF-40AE-B4C6-C98DA3205C09}" type="datetimeFigureOut">
               <a:rPr lang="en-US" smtClean="0"/>
               <a:pPr/>
-              <a:t>3/30/2025</a:t>
+              <a:t>3/31/2025</a:t>
             </a:fld>
             <a:endParaRPr lang="en-US"/>
           </a:p>
@@ -3827,7 +3827,7 @@
             <a:fld id="{1D8BD707-D9CF-40AE-B4C6-C98DA3205C09}" type="datetimeFigureOut">
               <a:rPr lang="en-US" smtClean="0"/>
               <a:pPr/>
-              <a:t>3/30/2025</a:t>
+              <a:t>3/31/2025</a:t>
             </a:fld>
             <a:endParaRPr lang="en-US"/>
           </a:p>
@@ -4109,7 +4109,7 @@
             <a:fld id="{1D8BD707-D9CF-40AE-B4C6-C98DA3205C09}" type="datetimeFigureOut">
               <a:rPr lang="en-US" smtClean="0"/>
               <a:pPr/>
-              <a:t>3/30/2025</a:t>
+              <a:t>3/31/2025</a:t>
             </a:fld>
             <a:endParaRPr lang="en-US"/>
           </a:p>
@@ -4525,7 +4525,7 @@
             <a:fld id="{1D8BD707-D9CF-40AE-B4C6-C98DA3205C09}" type="datetimeFigureOut">
               <a:rPr lang="en-US" smtClean="0"/>
               <a:pPr/>
-              <a:t>3/30/2025</a:t>
+              <a:t>3/31/2025</a:t>
             </a:fld>
             <a:endParaRPr lang="en-US"/>
           </a:p>
@@ -4639,7 +4639,7 @@
             <a:fld id="{1D8BD707-D9CF-40AE-B4C6-C98DA3205C09}" type="datetimeFigureOut">
               <a:rPr lang="en-US" smtClean="0"/>
               <a:pPr/>
-              <a:t>3/30/2025</a:t>
+              <a:t>3/31/2025</a:t>
             </a:fld>
             <a:endParaRPr lang="en-US"/>
           </a:p>
@@ -4731,7 +4731,7 @@
             <a:fld id="{1D8BD707-D9CF-40AE-B4C6-C98DA3205C09}" type="datetimeFigureOut">
               <a:rPr lang="en-US" smtClean="0"/>
               <a:pPr/>
-              <a:t>3/30/2025</a:t>
+              <a:t>3/31/2025</a:t>
             </a:fld>
             <a:endParaRPr lang="en-US"/>
           </a:p>
@@ -5003,7 +5003,7 @@
             <a:fld id="{1D8BD707-D9CF-40AE-B4C6-C98DA3205C09}" type="datetimeFigureOut">
               <a:rPr lang="en-US" smtClean="0"/>
               <a:pPr/>
-              <a:t>3/30/2025</a:t>
+              <a:t>3/31/2025</a:t>
             </a:fld>
             <a:endParaRPr lang="en-US"/>
           </a:p>
@@ -5252,7 +5252,7 @@
             <a:fld id="{1D8BD707-D9CF-40AE-B4C6-C98DA3205C09}" type="datetimeFigureOut">
               <a:rPr lang="en-US" smtClean="0"/>
               <a:pPr/>
-              <a:t>3/30/2025</a:t>
+              <a:t>3/31/2025</a:t>
             </a:fld>
             <a:endParaRPr lang="en-US"/>
           </a:p>
@@ -5460,7 +5460,7 @@
             <a:fld id="{1D8BD707-D9CF-40AE-B4C6-C98DA3205C09}" type="datetimeFigureOut">
               <a:rPr lang="en-US" smtClean="0"/>
               <a:pPr/>
-              <a:t>3/30/2025</a:t>
+              <a:t>3/31/2025</a:t>
             </a:fld>
             <a:endParaRPr lang="en-US"/>
           </a:p>
@@ -12179,6 +12179,60 @@
           </a:prstGeom>
         </p:spPr>
       </p:pic>
+      <p:sp>
+        <p:nvSpPr>
+          <p:cNvPr id="2" name="타원 1">
+            <a:extLst>
+              <a:ext uri="{FF2B5EF4-FFF2-40B4-BE49-F238E27FC236}">
+                <a16:creationId xmlns:a16="http://schemas.microsoft.com/office/drawing/2014/main" id="{E4023516-01AF-31E5-A2B6-E57D6A6794C7}"/>
+              </a:ext>
+            </a:extLst>
+          </p:cNvPr>
+          <p:cNvSpPr/>
+          <p:nvPr/>
+        </p:nvSpPr>
+        <p:spPr>
+          <a:xfrm>
+            <a:off x="5893200" y="7192800"/>
+            <a:ext cx="108000" cy="108000"/>
+          </a:xfrm>
+          <a:prstGeom prst="ellipse">
+            <a:avLst/>
+          </a:prstGeom>
+          <a:solidFill>
+            <a:schemeClr val="bg1"/>
+          </a:solidFill>
+          <a:ln w="3175">
+            <a:solidFill>
+              <a:schemeClr val="tx1"/>
+            </a:solidFill>
+          </a:ln>
+        </p:spPr>
+        <p:style>
+          <a:lnRef idx="2">
+            <a:schemeClr val="accent1">
+              <a:shade val="15000"/>
+            </a:schemeClr>
+          </a:lnRef>
+          <a:fillRef idx="1">
+            <a:schemeClr val="accent1"/>
+          </a:fillRef>
+          <a:effectRef idx="0">
+            <a:schemeClr val="accent1"/>
+          </a:effectRef>
+          <a:fontRef idx="minor">
+            <a:schemeClr val="lt1"/>
+          </a:fontRef>
+        </p:style>
+        <p:txBody>
+          <a:bodyPr rtlCol="0" anchor="ctr"/>
+          <a:lstStyle/>
+          <a:p>
+            <a:pPr algn="ctr"/>
+            <a:endParaRPr lang="ko-KR" altLang="en-US"/>
+          </a:p>
+        </p:txBody>
+      </p:sp>
     </p:spTree>
     <p:extLst>
       <p:ext uri="{BB962C8B-B14F-4D97-AF65-F5344CB8AC3E}">
@@ -13250,7 +13304,7 @@
           <p:nvPr>
             <p:extLst>
               <p:ext uri="{D42A27DB-BD31-4B8C-83A1-F6EECF244321}">
-                <p14:modId xmlns:p14="http://schemas.microsoft.com/office/powerpoint/2010/main" val="1969467449"/>
+                <p14:modId xmlns:p14="http://schemas.microsoft.com/office/powerpoint/2010/main" val="3388626794"/>
               </p:ext>
             </p:extLst>
           </p:nvPr>
@@ -15687,7 +15741,7 @@
                           <a:latin typeface="구름 산스 500" pitchFamily="2" charset="-127"/>
                           <a:ea typeface="구름 산스 500" pitchFamily="2" charset="-127"/>
                         </a:rPr>
-                        <a:t>마이페이지 화면 설계</a:t>
+                        <a:t>학습 생성 페이지 화면 설계</a:t>
                       </a:r>
                       <a:r>
                         <a:rPr lang="en-US" altLang="ko-KR" sz="2000" b="0">
@@ -15697,7 +15751,7 @@
                           <a:latin typeface="구름 산스 500" pitchFamily="2" charset="-127"/>
                           <a:ea typeface="구름 산스 500" pitchFamily="2" charset="-127"/>
                         </a:rPr>
-                        <a:t>, PDF </a:t>
+                        <a:t>,</a:t>
                       </a:r>
                       <a:r>
                         <a:rPr lang="ko-KR" altLang="en-US" sz="2000" b="0">
@@ -15707,7 +15761,7 @@
                           <a:latin typeface="구름 산스 500" pitchFamily="2" charset="-127"/>
                           <a:ea typeface="구름 산스 500" pitchFamily="2" charset="-127"/>
                         </a:rPr>
-                        <a:t>업로드 페이지 </a:t>
+                        <a:t> </a:t>
                       </a:r>
                       <a:r>
                         <a:rPr lang="en-US" altLang="ko-KR" sz="2000" b="0">
@@ -15944,6 +15998,16 @@
                     <a:p>
                       <a:pPr algn="l" latinLnBrk="1"/>
                       <a:r>
+                        <a:rPr lang="ko-KR" altLang="en-US" sz="2000" b="0">
+                          <a:solidFill>
+                            <a:schemeClr val="tx1"/>
+                          </a:solidFill>
+                          <a:latin typeface="구름 산스 500" pitchFamily="2" charset="-127"/>
+                          <a:ea typeface="구름 산스 500" pitchFamily="2" charset="-127"/>
+                        </a:rPr>
+                        <a:t>학습 생성 </a:t>
+                      </a:r>
+                      <a:r>
                         <a:rPr lang="en-US" altLang="ko-KR" sz="2000" b="0">
                           <a:solidFill>
                             <a:schemeClr val="tx1"/>
@@ -15951,7 +16015,7 @@
                           <a:latin typeface="구름 산스 500" pitchFamily="2" charset="-127"/>
                           <a:ea typeface="구름 산스 500" pitchFamily="2" charset="-127"/>
                         </a:rPr>
-                        <a:t>PDF </a:t>
+                        <a:t>API </a:t>
                       </a:r>
                       <a:r>
                         <a:rPr lang="ko-KR" altLang="en-US" sz="2000" b="0">
@@ -15961,7 +16025,7 @@
                           <a:latin typeface="구름 산스 500" pitchFamily="2" charset="-127"/>
                           <a:ea typeface="구름 산스 500" pitchFamily="2" charset="-127"/>
                         </a:rPr>
-                        <a:t>업로드 화면 설계</a:t>
+                        <a:t>개발</a:t>
                       </a:r>
                       <a:r>
                         <a:rPr lang="en-US" altLang="ko-KR" sz="2000" b="0">
@@ -15981,27 +16045,7 @@
                           <a:latin typeface="구름 산스 500" pitchFamily="2" charset="-127"/>
                           <a:ea typeface="구름 산스 500" pitchFamily="2" charset="-127"/>
                         </a:rPr>
-                        <a:t>업로드 페이지</a:t>
-                      </a:r>
-                      <a:r>
-                        <a:rPr lang="en-US" altLang="ko-KR" sz="2000" b="0">
-                          <a:solidFill>
-                            <a:schemeClr val="tx1"/>
-                          </a:solidFill>
-                          <a:latin typeface="구름 산스 500" pitchFamily="2" charset="-127"/>
-                          <a:ea typeface="구름 산스 500" pitchFamily="2" charset="-127"/>
-                        </a:rPr>
-                        <a:t> API </a:t>
-                      </a:r>
-                      <a:r>
-                        <a:rPr lang="ko-KR" altLang="en-US" sz="2000" b="0">
-                          <a:solidFill>
-                            <a:schemeClr val="tx1"/>
-                          </a:solidFill>
-                          <a:latin typeface="구름 산스 500" pitchFamily="2" charset="-127"/>
-                          <a:ea typeface="구름 산스 500" pitchFamily="2" charset="-127"/>
-                        </a:rPr>
-                        <a:t>개발</a:t>
+                        <a:t>업로드 및 텍스트 추출 구현</a:t>
                       </a:r>
                     </a:p>
                   </a:txBody>
